--- a/Praesentation IT_SnydOgBedrag.pptx
+++ b/Praesentation IT_SnydOgBedrag.pptx
@@ -297,7 +297,7 @@
           <a:p>
             <a:fld id="{0956380D-191E-4967-9FAB-88D89A5831CE}" type="datetimeFigureOut">
               <a:rPr lang="da-DK" smtClean="0"/>
-              <a:t>17-11-2019</a:t>
+              <a:t>19-11-2019</a:t>
             </a:fld>
             <a:endParaRPr lang="da-DK"/>
           </a:p>
@@ -26579,7 +26579,7 @@
           <a:p>
             <a:fld id="{5855212D-A239-44D3-B25B-09851D6177DA}" type="datetime2">
               <a:rPr lang="da-DK" smtClean="0"/>
-              <a:t>18. november 2019</a:t>
+              <a:t>19. november 2019</a:t>
             </a:fld>
             <a:endParaRPr lang="da-DK" dirty="0"/>
           </a:p>
@@ -36128,7 +36128,7 @@
           <a:p>
             <a:fld id="{F370D37E-E84E-4B9A-A7EB-75B3F0C80646}" type="datetime2">
               <a:rPr lang="da-DK" smtClean="0"/>
-              <a:t>18. november 2019</a:t>
+              <a:t>19. november 2019</a:t>
             </a:fld>
             <a:endParaRPr lang="da-DK" dirty="0"/>
           </a:p>
@@ -37920,7 +37920,10 @@
               <a:rPr lang="da-DK" dirty="0" err="1"/>
               <a:t>Enginering</a:t>
             </a:r>
-            <a:endParaRPr lang="da-DK" dirty="0"/>
+            <a:r>
+              <a:rPr lang="da-DK" dirty="0"/>
+              <a:t> (3. Semester)</a:t>
+            </a:r>
           </a:p>
         </p:txBody>
       </p:sp>
@@ -38848,6 +38851,14 @@
               <a:rPr lang="en-US" i="1" dirty="0" err="1"/>
               <a:t>CheatEngine</a:t>
             </a:r>
+            <a:r>
+              <a:rPr lang="en-US" i="1" dirty="0"/>
+              <a:t> / </a:t>
+            </a:r>
+            <a:r>
+              <a:rPr lang="en-US" i="1" dirty="0" err="1"/>
+              <a:t>Opgaver</a:t>
+            </a:r>
             <a:endParaRPr lang="en-US" i="1" dirty="0"/>
           </a:p>
           <a:p>
@@ -39322,20 +39333,9 @@
             </a:r>
             <a:r>
               <a:rPr lang="en-US" sz="2000" dirty="0" err="1"/>
-              <a:t>instruktioner</a:t>
-            </a:r>
-            <a:r>
-              <a:rPr lang="en-US" sz="2000" dirty="0"/>
-              <a:t> </a:t>
-            </a:r>
-            <a:r>
-              <a:rPr lang="en-US" sz="2000" dirty="0" err="1"/>
-              <a:t>og</a:t>
-            </a:r>
-            <a:r>
-              <a:rPr lang="en-US" sz="2000" dirty="0"/>
-              <a:t> variable</a:t>
-            </a:r>
+              <a:t>værdier</a:t>
+            </a:r>
+            <a:endParaRPr lang="en-US" sz="2000" dirty="0"/>
           </a:p>
           <a:p>
             <a:r>
@@ -39687,13 +39687,15 @@
             </a:r>
           </a:p>
           <a:p>
-            <a:r>
-              <a:rPr lang="en-US" dirty="0" err="1"/>
-              <a:t>Eksempel</a:t>
-            </a:r>
+            <a:pPr marL="0" indent="0">
+              <a:buNone/>
+            </a:pPr>
             <a:endParaRPr lang="en-US" dirty="0"/>
           </a:p>
           <a:p>
+            <a:pPr marL="0" indent="0">
+              <a:buNone/>
+            </a:pPr>
             <a:endParaRPr lang="en-US" dirty="0"/>
           </a:p>
           <a:p>
@@ -39872,22 +39874,6 @@
             <a:r>
               <a:rPr lang="en-US" dirty="0" err="1"/>
               <a:t>CheatEngine</a:t>
-            </a:r>
-            <a:r>
-              <a:rPr lang="en-US" dirty="0"/>
-              <a:t> </a:t>
-            </a:r>
-            <a:r>
-              <a:rPr lang="en-US" dirty="0" err="1"/>
-              <a:t>i</a:t>
-            </a:r>
-            <a:r>
-              <a:rPr lang="en-US" dirty="0"/>
-              <a:t> Facebook </a:t>
-            </a:r>
-            <a:r>
-              <a:rPr lang="en-US" dirty="0" err="1"/>
-              <a:t>spil</a:t>
             </a:r>
             <a:endParaRPr lang="da-DK" dirty="0"/>
           </a:p>
@@ -40650,18 +40636,18 @@
 </file>
 
 <file path=customXml/item1.xml><?xml version="1.0" encoding="utf-8"?>
-<p:properties xmlns:p="http://schemas.microsoft.com/office/2006/metadata/properties" xmlns:xsi="http://www.w3.org/2001/XMLSchema-instance" xmlns:pc="http://schemas.microsoft.com/office/infopath/2007/PartnerControls">
-  <documentManagement/>
-</p:properties>
-</file>
-
-<file path=customXml/item2.xml><?xml version="1.0" encoding="utf-8"?>
 <?mso-contentType ?>
 <FormTemplates xmlns="http://schemas.microsoft.com/sharepoint/v3/contenttype/forms">
   <Display>DocumentLibraryForm</Display>
   <Edit>DocumentLibraryForm</Edit>
   <New>DocumentLibraryForm</New>
 </FormTemplates>
+</file>
+
+<file path=customXml/item2.xml><?xml version="1.0" encoding="utf-8"?>
+<p:properties xmlns:p="http://schemas.microsoft.com/office/2006/metadata/properties" xmlns:xsi="http://www.w3.org/2001/XMLSchema-instance" xmlns:pc="http://schemas.microsoft.com/office/infopath/2007/PartnerControls">
+  <documentManagement/>
+</p:properties>
 </file>
 
 <file path=customXml/item3.xml><?xml version="1.0" encoding="utf-8"?>
@@ -40779,6 +40765,14 @@
 </file>
 
 <file path=customXml/itemProps1.xml><?xml version="1.0" encoding="utf-8"?>
+<ds:datastoreItem xmlns:ds="http://schemas.openxmlformats.org/officeDocument/2006/customXml" ds:itemID="{E72B9F35-69B0-4653-9C86-8C3328E127F8}">
+  <ds:schemaRefs>
+    <ds:schemaRef ds:uri="http://schemas.microsoft.com/sharepoint/v3/contenttype/forms"/>
+  </ds:schemaRefs>
+</ds:datastoreItem>
+</file>
+
+<file path=customXml/itemProps2.xml><?xml version="1.0" encoding="utf-8"?>
 <ds:datastoreItem xmlns:ds="http://schemas.openxmlformats.org/officeDocument/2006/customXml" ds:itemID="{331CFBDF-920D-432E-9FB9-E24AFCA50B33}">
   <ds:schemaRefs>
     <ds:schemaRef ds:uri="http://schemas.microsoft.com/office/2006/metadata/properties"/>
@@ -40789,14 +40783,6 @@
     <ds:schemaRef ds:uri="http://schemas.microsoft.com/office/infopath/2007/PartnerControls"/>
     <ds:schemaRef ds:uri="http://purl.org/dc/elements/1.1/"/>
     <ds:schemaRef ds:uri="http://www.w3.org/XML/1998/namespace"/>
-  </ds:schemaRefs>
-</ds:datastoreItem>
-</file>
-
-<file path=customXml/itemProps2.xml><?xml version="1.0" encoding="utf-8"?>
-<ds:datastoreItem xmlns:ds="http://schemas.openxmlformats.org/officeDocument/2006/customXml" ds:itemID="{E72B9F35-69B0-4653-9C86-8C3328E127F8}">
-  <ds:schemaRefs>
-    <ds:schemaRef ds:uri="http://schemas.microsoft.com/sharepoint/v3/contenttype/forms"/>
   </ds:schemaRefs>
 </ds:datastoreItem>
 </file>

--- a/Praesentation IT_SnydOgBedrag.pptx
+++ b/Praesentation IT_SnydOgBedrag.pptx
@@ -297,7 +297,7 @@
           <a:p>
             <a:fld id="{0956380D-191E-4967-9FAB-88D89A5831CE}" type="datetimeFigureOut">
               <a:rPr lang="da-DK" smtClean="0"/>
-              <a:t>19-11-2019</a:t>
+              <a:t>20-11-2019</a:t>
             </a:fld>
             <a:endParaRPr lang="da-DK"/>
           </a:p>
@@ -26579,7 +26579,7 @@
           <a:p>
             <a:fld id="{5855212D-A239-44D3-B25B-09851D6177DA}" type="datetime2">
               <a:rPr lang="da-DK" smtClean="0"/>
-              <a:t>19. november 2019</a:t>
+              <a:t>20. november 2019</a:t>
             </a:fld>
             <a:endParaRPr lang="da-DK" dirty="0"/>
           </a:p>
@@ -36128,7 +36128,7 @@
           <a:p>
             <a:fld id="{F370D37E-E84E-4B9A-A7EB-75B3F0C80646}" type="datetime2">
               <a:rPr lang="da-DK" smtClean="0"/>
-              <a:t>19. november 2019</a:t>
+              <a:t>20. november 2019</a:t>
             </a:fld>
             <a:endParaRPr lang="da-DK" dirty="0"/>
           </a:p>
@@ -39414,7 +39414,7 @@
         </p:blipFill>
         <p:spPr bwMode="auto">
           <a:xfrm>
-            <a:off x="5508104" y="584199"/>
+            <a:off x="5540089" y="584199"/>
             <a:ext cx="2600325" cy="4076700"/>
           </a:xfrm>
           <a:prstGeom prst="rect">
@@ -40636,18 +40636,18 @@
 </file>
 
 <file path=customXml/item1.xml><?xml version="1.0" encoding="utf-8"?>
+<p:properties xmlns:p="http://schemas.microsoft.com/office/2006/metadata/properties" xmlns:xsi="http://www.w3.org/2001/XMLSchema-instance" xmlns:pc="http://schemas.microsoft.com/office/infopath/2007/PartnerControls">
+  <documentManagement/>
+</p:properties>
+</file>
+
+<file path=customXml/item2.xml><?xml version="1.0" encoding="utf-8"?>
 <?mso-contentType ?>
 <FormTemplates xmlns="http://schemas.microsoft.com/sharepoint/v3/contenttype/forms">
   <Display>DocumentLibraryForm</Display>
   <Edit>DocumentLibraryForm</Edit>
   <New>DocumentLibraryForm</New>
 </FormTemplates>
-</file>
-
-<file path=customXml/item2.xml><?xml version="1.0" encoding="utf-8"?>
-<p:properties xmlns:p="http://schemas.microsoft.com/office/2006/metadata/properties" xmlns:xsi="http://www.w3.org/2001/XMLSchema-instance" xmlns:pc="http://schemas.microsoft.com/office/infopath/2007/PartnerControls">
-  <documentManagement/>
-</p:properties>
 </file>
 
 <file path=customXml/item3.xml><?xml version="1.0" encoding="utf-8"?>
@@ -40765,14 +40765,6 @@
 </file>
 
 <file path=customXml/itemProps1.xml><?xml version="1.0" encoding="utf-8"?>
-<ds:datastoreItem xmlns:ds="http://schemas.openxmlformats.org/officeDocument/2006/customXml" ds:itemID="{E72B9F35-69B0-4653-9C86-8C3328E127F8}">
-  <ds:schemaRefs>
-    <ds:schemaRef ds:uri="http://schemas.microsoft.com/sharepoint/v3/contenttype/forms"/>
-  </ds:schemaRefs>
-</ds:datastoreItem>
-</file>
-
-<file path=customXml/itemProps2.xml><?xml version="1.0" encoding="utf-8"?>
 <ds:datastoreItem xmlns:ds="http://schemas.openxmlformats.org/officeDocument/2006/customXml" ds:itemID="{331CFBDF-920D-432E-9FB9-E24AFCA50B33}">
   <ds:schemaRefs>
     <ds:schemaRef ds:uri="http://schemas.microsoft.com/office/2006/metadata/properties"/>
@@ -40783,6 +40775,14 @@
     <ds:schemaRef ds:uri="http://schemas.microsoft.com/office/infopath/2007/PartnerControls"/>
     <ds:schemaRef ds:uri="http://purl.org/dc/elements/1.1/"/>
     <ds:schemaRef ds:uri="http://www.w3.org/XML/1998/namespace"/>
+  </ds:schemaRefs>
+</ds:datastoreItem>
+</file>
+
+<file path=customXml/itemProps2.xml><?xml version="1.0" encoding="utf-8"?>
+<ds:datastoreItem xmlns:ds="http://schemas.openxmlformats.org/officeDocument/2006/customXml" ds:itemID="{E72B9F35-69B0-4653-9C86-8C3328E127F8}">
+  <ds:schemaRefs>
+    <ds:schemaRef ds:uri="http://schemas.microsoft.com/sharepoint/v3/contenttype/forms"/>
   </ds:schemaRefs>
 </ds:datastoreItem>
 </file>

--- a/Praesentation IT_SnydOgBedrag.pptx
+++ b/Praesentation IT_SnydOgBedrag.pptx
@@ -36,7 +36,7 @@
       <p:boldItalic r:id="rId25"/>
     </p:embeddedFont>
     <p:embeddedFont>
-      <p:font typeface="VIA Type Office" panose="020B0604020202020204" charset="0"/>
+      <p:font typeface="VIA Type Office" panose="02000503000000090004" charset="0"/>
       <p:regular r:id="rId26"/>
       <p:bold r:id="rId27"/>
       <p:italic r:id="rId28"/>
@@ -297,7 +297,7 @@
           <a:p>
             <a:fld id="{0956380D-191E-4967-9FAB-88D89A5831CE}" type="datetimeFigureOut">
               <a:rPr lang="da-DK" smtClean="0"/>
-              <a:t>20-11-2019</a:t>
+              <a:t>27-11-2019</a:t>
             </a:fld>
             <a:endParaRPr lang="da-DK"/>
           </a:p>
@@ -26579,7 +26579,7 @@
           <a:p>
             <a:fld id="{5855212D-A239-44D3-B25B-09851D6177DA}" type="datetime2">
               <a:rPr lang="da-DK" smtClean="0"/>
-              <a:t>20. november 2019</a:t>
+              <a:t>27. november 2019</a:t>
             </a:fld>
             <a:endParaRPr lang="da-DK" dirty="0"/>
           </a:p>
@@ -27523,7 +27523,7 @@
     </p:spTree>
     <p:extLst>
       <p:ext uri="{BB962C8B-B14F-4D97-AF65-F5344CB8AC3E}">
-        <p14:creationId xmlns:p14="http://schemas.microsoft.com/office/powerpoint/2010/main" val="3401405922"/>
+        <p14:creationId xmlns:p14="http://schemas.microsoft.com/office/powerpoint/2010/main" val="244920214"/>
       </p:ext>
     </p:extLst>
   </p:cSld>
@@ -35696,7 +35696,12 @@
             <p:ph type="subTitle" idx="1"/>
           </p:nvPr>
         </p:nvSpPr>
-        <p:spPr/>
+        <p:spPr>
+          <a:xfrm>
+            <a:off x="576000" y="1835441"/>
+            <a:ext cx="7992443" cy="1125858"/>
+          </a:xfrm>
+        </p:spPr>
         <p:txBody>
           <a:bodyPr>
             <a:normAutofit/>
@@ -35709,7 +35714,7 @@
                   <a:srgbClr val="FFFF00"/>
                 </a:solidFill>
               </a:rPr>
-              <a:t>Favrskov</a:t>
+              <a:t>Skanderborg-Odder</a:t>
             </a:r>
             <a:r>
               <a:rPr lang="da-DK" sz="2800" dirty="0"/>
@@ -36128,7 +36133,7 @@
           <a:p>
             <a:fld id="{F370D37E-E84E-4B9A-A7EB-75B3F0C80646}" type="datetime2">
               <a:rPr lang="da-DK" smtClean="0"/>
-              <a:t>20. november 2019</a:t>
+              <a:t>27. november 2019</a:t>
             </a:fld>
             <a:endParaRPr lang="da-DK" dirty="0"/>
           </a:p>
@@ -36195,30 +36200,11 @@
         </p:spPr>
         <p:txBody>
           <a:bodyPr numCol="2">
-            <a:normAutofit fontScale="92500" lnSpcReduction="10000"/>
+            <a:normAutofit/>
           </a:bodyPr>
           <a:lstStyle/>
           <a:p>
-            <a:r>
-              <a:rPr lang="da-DK" dirty="0"/>
-              <a:t>Administrationsbachelor</a:t>
-            </a:r>
-          </a:p>
-          <a:p>
-            <a:r>
-              <a:rPr lang="da-DK" dirty="0" err="1"/>
-              <a:t>Character</a:t>
-            </a:r>
-            <a:r>
-              <a:rPr lang="da-DK" dirty="0"/>
-              <a:t> Animation</a:t>
-            </a:r>
-          </a:p>
-          <a:p>
-            <a:r>
-              <a:rPr lang="da-DK" dirty="0"/>
-              <a:t>Design &amp; Business – Branding &amp; Marketing Management</a:t>
-            </a:r>
+            <a:endParaRPr lang="da-DK" dirty="0"/>
           </a:p>
           <a:p>
             <a:r>
@@ -36229,19 +36215,7 @@
           <a:p>
             <a:r>
               <a:rPr lang="da-DK" dirty="0"/>
-              <a:t>Ernæring og Sundhed</a:t>
-            </a:r>
-          </a:p>
-          <a:p>
-            <a:r>
-              <a:rPr lang="da-DK" dirty="0"/>
               <a:t>Global Business Engineering</a:t>
-            </a:r>
-          </a:p>
-          <a:p>
-            <a:r>
-              <a:rPr lang="da-DK" dirty="0"/>
-              <a:t>Global Nutrition &amp; Health</a:t>
             </a:r>
           </a:p>
           <a:p>
@@ -36253,30 +36227,30 @@
           <a:p>
             <a:r>
               <a:rPr lang="da-DK" dirty="0"/>
-              <a:t>Markedsføringsøkonom</a:t>
-            </a:r>
-          </a:p>
-          <a:p>
+              <a:t>Multiplatform </a:t>
+            </a:r>
+            <a:r>
+              <a:rPr lang="da-DK" dirty="0" err="1"/>
+              <a:t>Storytelling</a:t>
+            </a:r>
             <a:r>
               <a:rPr lang="da-DK" dirty="0"/>
-              <a:t>Materialeingeniør</a:t>
-            </a:r>
-          </a:p>
-          <a:p>
-            <a:r>
-              <a:rPr lang="da-DK" dirty="0"/>
-              <a:t>Professionsbachelor i skat</a:t>
-            </a:r>
-          </a:p>
-          <a:p>
+              <a:t> &amp; </a:t>
+            </a:r>
             <a:r>
               <a:rPr lang="da-DK" dirty="0" err="1"/>
-              <a:t>Psykomotorisk</a:t>
-            </a:r>
-            <a:r>
-              <a:rPr lang="da-DK" dirty="0"/>
-              <a:t> Terapeut</a:t>
-            </a:r>
+              <a:t>Production</a:t>
+            </a:r>
+            <a:endParaRPr lang="da-DK" dirty="0"/>
+          </a:p>
+          <a:p>
+            <a:endParaRPr lang="da-DK" dirty="0"/>
+          </a:p>
+          <a:p>
+            <a:endParaRPr lang="da-DK" dirty="0"/>
+          </a:p>
+          <a:p>
+            <a:endParaRPr lang="da-DK" dirty="0"/>
           </a:p>
           <a:p>
             <a:r>
@@ -36295,7 +36269,6 @@
               <a:rPr lang="da-DK" dirty="0"/>
               <a:t>Softwareingeniør</a:t>
             </a:r>
-            <a:endParaRPr lang="da-DK" sz="1000" dirty="0"/>
           </a:p>
           <a:p>
             <a:r>
@@ -37914,7 +37887,7 @@
             </a:pPr>
             <a:r>
               <a:rPr lang="da-DK" dirty="0"/>
-              <a:t>Nu går jeg på VIA Software </a:t>
+              <a:t>Nu går jeg på VIA, Software </a:t>
             </a:r>
             <a:r>
               <a:rPr lang="da-DK" dirty="0" err="1"/>
@@ -38349,14 +38322,14 @@
           <p:nvPr>
             <p:extLst>
               <p:ext uri="{D42A27DB-BD31-4B8C-83A1-F6EECF244321}">
-                <p14:modId xmlns:p14="http://schemas.microsoft.com/office/powerpoint/2010/main" val="243725514"/>
+                <p14:modId xmlns:p14="http://schemas.microsoft.com/office/powerpoint/2010/main" val="3872018877"/>
               </p:ext>
             </p:extLst>
           </p:nvPr>
         </p:nvGraphicFramePr>
         <p:xfrm>
           <a:off x="645979" y="1547049"/>
-          <a:ext cx="7680176" cy="3953036"/>
+          <a:ext cx="7680176" cy="3980781"/>
         </p:xfrm>
         <a:graphic>
           <a:graphicData uri="http://schemas.openxmlformats.org/drawingml/2006/table">
@@ -38380,7 +38353,7 @@
                   </a:extLst>
                 </a:gridCol>
               </a:tblGrid>
-              <a:tr h="1062118">
+              <a:tr h="1089863">
                 <a:tc>
                   <a:txBody>
                     <a:bodyPr/>
@@ -38394,7 +38367,13 @@
                     <a:p>
                       <a:r>
                         <a:rPr lang="da-DK" b="0" dirty="0"/>
-                        <a:t>10:10 – 11:45</a:t>
+                        <a:t>8:05 – 9:35</a:t>
+                      </a:r>
+                    </a:p>
+                    <a:p>
+                      <a:r>
+                        <a:rPr lang="da-DK" b="0" dirty="0"/>
+                        <a:t>10:00-10:45</a:t>
                       </a:r>
                     </a:p>
                   </a:txBody>
@@ -38405,9 +38384,16 @@
                     <a:bodyPr/>
                     <a:lstStyle/>
                     <a:p>
+                      <a:endParaRPr lang="en-US" b="0" dirty="0"/>
+                    </a:p>
+                    <a:p>
+                      <a:r>
+                        <a:rPr lang="en-US" b="0" dirty="0"/>
+                        <a:t>IT: </a:t>
+                      </a:r>
                       <a:r>
                         <a:rPr lang="en-US" b="0" dirty="0" err="1"/>
-                        <a:t>Første</a:t>
+                        <a:t>Snyd</a:t>
                       </a:r>
                       <a:r>
                         <a:rPr lang="en-US" b="0" dirty="0"/>
@@ -38415,7 +38401,7 @@
                       </a:r>
                       <a:r>
                         <a:rPr lang="en-US" b="0" dirty="0" err="1"/>
-                        <a:t>valgfrie</a:t>
+                        <a:t>Og</a:t>
                       </a:r>
                       <a:r>
                         <a:rPr lang="en-US" b="0" dirty="0"/>
@@ -38423,7 +38409,14 @@
                       </a:r>
                       <a:r>
                         <a:rPr lang="en-US" b="0" dirty="0" err="1"/>
-                        <a:t>lektion</a:t>
+                        <a:t>Bedrag</a:t>
+                      </a:r>
+                      <a:endParaRPr lang="en-US" b="0" dirty="0"/>
+                    </a:p>
+                    <a:p>
+                      <a:r>
+                        <a:rPr lang="en-US" b="0" dirty="0" err="1"/>
+                        <a:t>Studieliv</a:t>
                       </a:r>
                       <a:endParaRPr lang="da-DK" b="0" dirty="0"/>
                     </a:p>
@@ -38443,14 +38436,15 @@
                     <a:lstStyle/>
                     <a:p>
                       <a:r>
-                        <a:rPr lang="da-DK" b="1" dirty="0"/>
-                        <a:t>Frokost</a:t>
+                        <a:rPr lang="da-DK" b="1" dirty="0" err="1"/>
+                        <a:t>UddanelsesCafe</a:t>
                       </a:r>
+                      <a:endParaRPr lang="da-DK" b="1" dirty="0"/>
                     </a:p>
                     <a:p>
                       <a:r>
                         <a:rPr lang="da-DK" dirty="0"/>
-                        <a:t>11:45 – 12:15</a:t>
+                        <a:t>10:45 – 11:30</a:t>
                       </a:r>
                     </a:p>
                     <a:p>
@@ -38464,21 +38458,17 @@
                     <a:bodyPr/>
                     <a:lstStyle/>
                     <a:p>
-                      <a:r>
-                        <a:rPr lang="da-DK" b="0" dirty="0"/>
-                        <a:t>Spis for </a:t>
-                      </a:r>
+                      <a:endParaRPr lang="da-DK" b="0" dirty="0"/>
+                    </a:p>
+                    <a:p>
                       <a:r>
                         <a:rPr lang="da-DK" b="0" dirty="0" err="1"/>
-                        <a:t>fa’en</a:t>
+                        <a:t>UddanelsesCafe</a:t>
                       </a:r>
                       <a:r>
                         <a:rPr lang="da-DK" b="0" dirty="0"/>
-                        <a:t>!</a:t>
+                        <a:t> i storrummet</a:t>
                       </a:r>
-                    </a:p>
-                    <a:p>
-                      <a:endParaRPr lang="da-DK" b="0" dirty="0"/>
                     </a:p>
                   </a:txBody>
                   <a:tcPr/>
@@ -38496,15 +38486,14 @@
                     <a:lstStyle/>
                     <a:p>
                       <a:r>
-                        <a:rPr lang="da-DK" b="1" dirty="0" err="1"/>
-                        <a:t>UddanelsesCafe</a:t>
+                        <a:rPr lang="da-DK" b="1" dirty="0"/>
+                        <a:t>Frokost</a:t>
                       </a:r>
-                      <a:endParaRPr lang="da-DK" b="1" dirty="0"/>
                     </a:p>
                     <a:p>
                       <a:r>
                         <a:rPr lang="da-DK" b="0" dirty="0"/>
-                        <a:t>13:00-13:50</a:t>
+                        <a:t>11:30-12</a:t>
                       </a:r>
                     </a:p>
                     <a:p>
@@ -38530,13 +38519,22 @@
                     </a:p>
                     <a:p>
                       <a:r>
+                        <a:rPr lang="da-DK" dirty="0"/>
+                        <a:t>Spis </a:t>
+                      </a:r>
+                      <a:r>
                         <a:rPr lang="da-DK" dirty="0" err="1"/>
-                        <a:t>UddannelsesCafé</a:t>
+                        <a:t>no’et</a:t>
                       </a:r>
                       <a:r>
                         <a:rPr lang="da-DK" dirty="0"/>
-                        <a:t> i studieområdet</a:t>
+                        <a:t> for </a:t>
                       </a:r>
+                      <a:r>
+                        <a:rPr lang="da-DK" dirty="0" err="1"/>
+                        <a:t>fa’en</a:t>
+                      </a:r>
+                      <a:endParaRPr lang="da-DK" dirty="0"/>
                     </a:p>
                   </a:txBody>
                   <a:tcPr/>
@@ -38561,7 +38559,7 @@
                     <a:p>
                       <a:r>
                         <a:rPr lang="da-DK" b="0" dirty="0"/>
-                        <a:t>14:00-15-35</a:t>
+                        <a:t>12:00-13:30</a:t>
                       </a:r>
                     </a:p>
                   </a:txBody>
@@ -38574,7 +38572,7 @@
                     <a:p>
                       <a:r>
                         <a:rPr lang="da-DK" dirty="0"/>
-                        <a:t>Andet valgfrie lektion</a:t>
+                        <a:t>Anden lektion</a:t>
                       </a:r>
                     </a:p>
                   </a:txBody>
@@ -39184,8 +39182,20 @@
           <a:lstStyle/>
           <a:p>
             <a:r>
+              <a:rPr lang="en-US" dirty="0" err="1"/>
+              <a:t>Hvordan</a:t>
+            </a:r>
+            <a:r>
               <a:rPr lang="en-US" dirty="0"/>
-              <a:t>RAM</a:t>
+              <a:t> </a:t>
+            </a:r>
+            <a:r>
+              <a:rPr lang="en-US" dirty="0" err="1"/>
+              <a:t>fungerer</a:t>
+            </a:r>
+            <a:r>
+              <a:rPr lang="en-US" dirty="0"/>
+              <a:t> RAM?</a:t>
             </a:r>
             <a:endParaRPr lang="da-DK" dirty="0"/>
           </a:p>
@@ -39305,54 +39315,9 @@
           <a:bodyPr/>
           <a:lstStyle/>
           <a:p>
-            <a:r>
-              <a:rPr lang="en-US" sz="2000" dirty="0" err="1"/>
-              <a:t>Hvordan</a:t>
-            </a:r>
-            <a:r>
-              <a:rPr lang="en-US" sz="2000" dirty="0"/>
-              <a:t> </a:t>
-            </a:r>
-            <a:r>
-              <a:rPr lang="en-US" sz="2000" dirty="0" err="1"/>
-              <a:t>fungerer</a:t>
-            </a:r>
-            <a:r>
-              <a:rPr lang="en-US" sz="2000" dirty="0"/>
-              <a:t> RAM?</a:t>
-            </a:r>
-          </a:p>
-          <a:p>
-            <a:r>
-              <a:rPr lang="en-US" sz="2000" dirty="0" err="1"/>
-              <a:t>Adresser</a:t>
-            </a:r>
-            <a:r>
-              <a:rPr lang="en-US" sz="2000" dirty="0"/>
-              <a:t> holder </a:t>
-            </a:r>
-            <a:r>
-              <a:rPr lang="en-US" sz="2000" dirty="0" err="1"/>
-              <a:t>værdier</a:t>
-            </a:r>
-            <a:endParaRPr lang="en-US" sz="2000" dirty="0"/>
-          </a:p>
-          <a:p>
-            <a:r>
-              <a:rPr lang="en-US" sz="2000" dirty="0" err="1"/>
-              <a:t>Kode</a:t>
-            </a:r>
-            <a:r>
-              <a:rPr lang="en-US" sz="2000" dirty="0"/>
-              <a:t> </a:t>
-            </a:r>
-            <a:r>
-              <a:rPr lang="en-US" sz="2000" dirty="0" err="1"/>
-              <a:t>eksempel</a:t>
-            </a:r>
-            <a:endParaRPr lang="en-US" sz="2000" dirty="0"/>
-          </a:p>
-          <a:p>
+            <a:pPr marL="0" indent="0">
+              <a:buNone/>
+            </a:pPr>
             <a:endParaRPr lang="en-US" sz="2000" dirty="0"/>
           </a:p>
           <a:p>
@@ -39414,7 +39379,7 @@
         </p:blipFill>
         <p:spPr bwMode="auto">
           <a:xfrm>
-            <a:off x="5540089" y="584199"/>
+            <a:off x="1187624" y="1390650"/>
             <a:ext cx="2600325" cy="4076700"/>
           </a:xfrm>
           <a:prstGeom prst="rect">
@@ -39453,7 +39418,7 @@
         </p:blipFill>
         <p:spPr>
           <a:xfrm>
-            <a:off x="5724128" y="4970623"/>
+            <a:off x="5292080" y="3078604"/>
             <a:ext cx="2232248" cy="700791"/>
           </a:xfrm>
           <a:prstGeom prst="rect">
@@ -40636,18 +40601,18 @@
 </file>
 
 <file path=customXml/item1.xml><?xml version="1.0" encoding="utf-8"?>
-<p:properties xmlns:p="http://schemas.microsoft.com/office/2006/metadata/properties" xmlns:xsi="http://www.w3.org/2001/XMLSchema-instance" xmlns:pc="http://schemas.microsoft.com/office/infopath/2007/PartnerControls">
-  <documentManagement/>
-</p:properties>
-</file>
-
-<file path=customXml/item2.xml><?xml version="1.0" encoding="utf-8"?>
 <?mso-contentType ?>
 <FormTemplates xmlns="http://schemas.microsoft.com/sharepoint/v3/contenttype/forms">
   <Display>DocumentLibraryForm</Display>
   <Edit>DocumentLibraryForm</Edit>
   <New>DocumentLibraryForm</New>
 </FormTemplates>
+</file>
+
+<file path=customXml/item2.xml><?xml version="1.0" encoding="utf-8"?>
+<p:properties xmlns:p="http://schemas.microsoft.com/office/2006/metadata/properties" xmlns:xsi="http://www.w3.org/2001/XMLSchema-instance" xmlns:pc="http://schemas.microsoft.com/office/infopath/2007/PartnerControls">
+  <documentManagement/>
+</p:properties>
 </file>
 
 <file path=customXml/item3.xml><?xml version="1.0" encoding="utf-8"?>
@@ -40765,6 +40730,14 @@
 </file>
 
 <file path=customXml/itemProps1.xml><?xml version="1.0" encoding="utf-8"?>
+<ds:datastoreItem xmlns:ds="http://schemas.openxmlformats.org/officeDocument/2006/customXml" ds:itemID="{E72B9F35-69B0-4653-9C86-8C3328E127F8}">
+  <ds:schemaRefs>
+    <ds:schemaRef ds:uri="http://schemas.microsoft.com/sharepoint/v3/contenttype/forms"/>
+  </ds:schemaRefs>
+</ds:datastoreItem>
+</file>
+
+<file path=customXml/itemProps2.xml><?xml version="1.0" encoding="utf-8"?>
 <ds:datastoreItem xmlns:ds="http://schemas.openxmlformats.org/officeDocument/2006/customXml" ds:itemID="{331CFBDF-920D-432E-9FB9-E24AFCA50B33}">
   <ds:schemaRefs>
     <ds:schemaRef ds:uri="http://schemas.microsoft.com/office/2006/metadata/properties"/>
@@ -40775,14 +40748,6 @@
     <ds:schemaRef ds:uri="http://schemas.microsoft.com/office/infopath/2007/PartnerControls"/>
     <ds:schemaRef ds:uri="http://purl.org/dc/elements/1.1/"/>
     <ds:schemaRef ds:uri="http://www.w3.org/XML/1998/namespace"/>
-  </ds:schemaRefs>
-</ds:datastoreItem>
-</file>
-
-<file path=customXml/itemProps2.xml><?xml version="1.0" encoding="utf-8"?>
-<ds:datastoreItem xmlns:ds="http://schemas.openxmlformats.org/officeDocument/2006/customXml" ds:itemID="{E72B9F35-69B0-4653-9C86-8C3328E127F8}">
-  <ds:schemaRefs>
-    <ds:schemaRef ds:uri="http://schemas.microsoft.com/sharepoint/v3/contenttype/forms"/>
   </ds:schemaRefs>
 </ds:datastoreItem>
 </file>
